--- a/Django.pptx
+++ b/Django.pptx
@@ -5,7 +5,9 @@
     <p:sldMasterId id="2147483648" r:id="rId1"/>
   </p:sldMasterIdLst>
   <p:sldIdLst>
-    <p:sldId id="256" r:id="rId2"/>
+    <p:sldId id="257" r:id="rId2"/>
+    <p:sldId id="258" r:id="rId3"/>
+    <p:sldId id="256" r:id="rId4"/>
   </p:sldIdLst>
   <p:sldSz cx="12192000" cy="6858000"/>
   <p:notesSz cx="6858000" cy="9144000"/>
@@ -104,6 +106,11 @@
       </a:defRPr>
     </a:lvl9pPr>
   </p:defaultTextStyle>
+  <p:extLst>
+    <p:ext uri="{EFAFB233-063F-42B5-8137-9DF3F51BA10A}">
+      <p15:sldGuideLst xmlns:p15="http://schemas.microsoft.com/office/powerpoint/2012/main"/>
+    </p:ext>
+  </p:extLst>
 </p:presentation>
 </file>
 
@@ -238,7 +245,7 @@
           <a:p>
             <a:fld id="{1E02CDE9-BD6B-4E98-9AB5-8A3E62C00DB7}" type="datetimeFigureOut">
               <a:rPr lang="en-US" smtClean="0"/>
-              <a:t>9/23/2020</a:t>
+              <a:t>10/10/2020</a:t>
             </a:fld>
             <a:endParaRPr lang="en-US"/>
           </a:p>
@@ -408,7 +415,7 @@
           <a:p>
             <a:fld id="{1E02CDE9-BD6B-4E98-9AB5-8A3E62C00DB7}" type="datetimeFigureOut">
               <a:rPr lang="en-US" smtClean="0"/>
-              <a:t>9/23/2020</a:t>
+              <a:t>10/10/2020</a:t>
             </a:fld>
             <a:endParaRPr lang="en-US"/>
           </a:p>
@@ -588,7 +595,7 @@
           <a:p>
             <a:fld id="{1E02CDE9-BD6B-4E98-9AB5-8A3E62C00DB7}" type="datetimeFigureOut">
               <a:rPr lang="en-US" smtClean="0"/>
-              <a:t>9/23/2020</a:t>
+              <a:t>10/10/2020</a:t>
             </a:fld>
             <a:endParaRPr lang="en-US"/>
           </a:p>
@@ -758,7 +765,7 @@
           <a:p>
             <a:fld id="{1E02CDE9-BD6B-4E98-9AB5-8A3E62C00DB7}" type="datetimeFigureOut">
               <a:rPr lang="en-US" smtClean="0"/>
-              <a:t>9/23/2020</a:t>
+              <a:t>10/10/2020</a:t>
             </a:fld>
             <a:endParaRPr lang="en-US"/>
           </a:p>
@@ -1004,7 +1011,7 @@
           <a:p>
             <a:fld id="{1E02CDE9-BD6B-4E98-9AB5-8A3E62C00DB7}" type="datetimeFigureOut">
               <a:rPr lang="en-US" smtClean="0"/>
-              <a:t>9/23/2020</a:t>
+              <a:t>10/10/2020</a:t>
             </a:fld>
             <a:endParaRPr lang="en-US"/>
           </a:p>
@@ -1236,7 +1243,7 @@
           <a:p>
             <a:fld id="{1E02CDE9-BD6B-4E98-9AB5-8A3E62C00DB7}" type="datetimeFigureOut">
               <a:rPr lang="en-US" smtClean="0"/>
-              <a:t>9/23/2020</a:t>
+              <a:t>10/10/2020</a:t>
             </a:fld>
             <a:endParaRPr lang="en-US"/>
           </a:p>
@@ -1603,7 +1610,7 @@
           <a:p>
             <a:fld id="{1E02CDE9-BD6B-4E98-9AB5-8A3E62C00DB7}" type="datetimeFigureOut">
               <a:rPr lang="en-US" smtClean="0"/>
-              <a:t>9/23/2020</a:t>
+              <a:t>10/10/2020</a:t>
             </a:fld>
             <a:endParaRPr lang="en-US"/>
           </a:p>
@@ -1721,7 +1728,7 @@
           <a:p>
             <a:fld id="{1E02CDE9-BD6B-4E98-9AB5-8A3E62C00DB7}" type="datetimeFigureOut">
               <a:rPr lang="en-US" smtClean="0"/>
-              <a:t>9/23/2020</a:t>
+              <a:t>10/10/2020</a:t>
             </a:fld>
             <a:endParaRPr lang="en-US"/>
           </a:p>
@@ -1816,7 +1823,7 @@
           <a:p>
             <a:fld id="{1E02CDE9-BD6B-4E98-9AB5-8A3E62C00DB7}" type="datetimeFigureOut">
               <a:rPr lang="en-US" smtClean="0"/>
-              <a:t>9/23/2020</a:t>
+              <a:t>10/10/2020</a:t>
             </a:fld>
             <a:endParaRPr lang="en-US"/>
           </a:p>
@@ -2093,7 +2100,7 @@
           <a:p>
             <a:fld id="{1E02CDE9-BD6B-4E98-9AB5-8A3E62C00DB7}" type="datetimeFigureOut">
               <a:rPr lang="en-US" smtClean="0"/>
-              <a:t>9/23/2020</a:t>
+              <a:t>10/10/2020</a:t>
             </a:fld>
             <a:endParaRPr lang="en-US"/>
           </a:p>
@@ -2346,7 +2353,7 @@
           <a:p>
             <a:fld id="{1E02CDE9-BD6B-4E98-9AB5-8A3E62C00DB7}" type="datetimeFigureOut">
               <a:rPr lang="en-US" smtClean="0"/>
-              <a:t>9/23/2020</a:t>
+              <a:t>10/10/2020</a:t>
             </a:fld>
             <a:endParaRPr lang="en-US"/>
           </a:p>
@@ -2559,7 +2566,7 @@
           <a:p>
             <a:fld id="{1E02CDE9-BD6B-4E98-9AB5-8A3E62C00DB7}" type="datetimeFigureOut">
               <a:rPr lang="en-US" smtClean="0"/>
-              <a:t>9/23/2020</a:t>
+              <a:t>10/10/2020</a:t>
             </a:fld>
             <a:endParaRPr lang="en-US"/>
           </a:p>
@@ -2971,6 +2978,157 @@
             <a:spLocks noGrp="1"/>
           </p:cNvSpPr>
           <p:nvPr>
+            <p:ph type="title"/>
+          </p:nvPr>
+        </p:nvSpPr>
+        <p:spPr/>
+        <p:txBody>
+          <a:bodyPr/>
+          <a:lstStyle/>
+          <a:p>
+            <a:r>
+              <a:rPr lang="en-US" altLang="zh-CN" dirty="0" smtClean="0"/>
+              <a:t>Django</a:t>
+            </a:r>
+            <a:endParaRPr lang="en-US" dirty="0"/>
+          </a:p>
+        </p:txBody>
+      </p:sp>
+      <p:sp>
+        <p:nvSpPr>
+          <p:cNvPr id="3" name="Content Placeholder 2"/>
+          <p:cNvSpPr>
+            <a:spLocks noGrp="1"/>
+          </p:cNvSpPr>
+          <p:nvPr>
+            <p:ph idx="1"/>
+          </p:nvPr>
+        </p:nvSpPr>
+        <p:spPr/>
+        <p:txBody>
+          <a:bodyPr/>
+          <a:lstStyle/>
+          <a:p>
+            <a:r>
+              <a:rPr lang="en-US" dirty="0"/>
+              <a:t>Django is a high-level Python Web framework that encourages rapid development and clean, pragmatic design. Built by experienced developers, it takes care of much of the hassle of Web development, so you can focus on writing your app without needing to reinvent the wheel. It’s free and open source.</a:t>
+            </a:r>
+            <a:endParaRPr lang="en-US" dirty="0"/>
+          </a:p>
+        </p:txBody>
+      </p:sp>
+    </p:spTree>
+    <p:extLst>
+      <p:ext uri="{BB962C8B-B14F-4D97-AF65-F5344CB8AC3E}">
+        <p14:creationId xmlns:p14="http://schemas.microsoft.com/office/powerpoint/2010/main" val="2590641074"/>
+      </p:ext>
+    </p:extLst>
+  </p:cSld>
+  <p:clrMapOvr>
+    <a:masterClrMapping/>
+  </p:clrMapOvr>
+</p:sld>
+</file>
+
+<file path=ppt/slides/slide2.xml><?xml version="1.0" encoding="utf-8"?>
+<p:sld xmlns:a="http://schemas.openxmlformats.org/drawingml/2006/main" xmlns:r="http://schemas.openxmlformats.org/officeDocument/2006/relationships" xmlns:p="http://schemas.openxmlformats.org/presentationml/2006/main">
+  <p:cSld>
+    <p:spTree>
+      <p:nvGrpSpPr>
+        <p:cNvPr id="1" name=""/>
+        <p:cNvGrpSpPr/>
+        <p:nvPr/>
+      </p:nvGrpSpPr>
+      <p:grpSpPr>
+        <a:xfrm>
+          <a:off x="0" y="0"/>
+          <a:ext cx="0" cy="0"/>
+          <a:chOff x="0" y="0"/>
+          <a:chExt cx="0" cy="0"/>
+        </a:xfrm>
+      </p:grpSpPr>
+      <p:sp>
+        <p:nvSpPr>
+          <p:cNvPr id="2" name="Title 1"/>
+          <p:cNvSpPr>
+            <a:spLocks noGrp="1"/>
+          </p:cNvSpPr>
+          <p:nvPr>
+            <p:ph type="title"/>
+          </p:nvPr>
+        </p:nvSpPr>
+        <p:spPr/>
+        <p:txBody>
+          <a:bodyPr/>
+          <a:lstStyle/>
+          <a:p>
+            <a:r>
+              <a:rPr lang="en-US" dirty="0"/>
+              <a:t>Django REST framework</a:t>
+            </a:r>
+          </a:p>
+        </p:txBody>
+      </p:sp>
+      <p:sp>
+        <p:nvSpPr>
+          <p:cNvPr id="3" name="Content Placeholder 2"/>
+          <p:cNvSpPr>
+            <a:spLocks noGrp="1"/>
+          </p:cNvSpPr>
+          <p:nvPr>
+            <p:ph idx="1"/>
+          </p:nvPr>
+        </p:nvSpPr>
+        <p:spPr/>
+        <p:txBody>
+          <a:bodyPr/>
+          <a:lstStyle/>
+          <a:p>
+            <a:r>
+              <a:rPr lang="en-US" dirty="0"/>
+              <a:t>Django REST framework is a powerful and flexible toolkit for building Web APIs.</a:t>
+            </a:r>
+            <a:endParaRPr lang="en-US" dirty="0"/>
+          </a:p>
+        </p:txBody>
+      </p:sp>
+    </p:spTree>
+    <p:extLst>
+      <p:ext uri="{BB962C8B-B14F-4D97-AF65-F5344CB8AC3E}">
+        <p14:creationId xmlns:p14="http://schemas.microsoft.com/office/powerpoint/2010/main" val="1373232903"/>
+      </p:ext>
+    </p:extLst>
+  </p:cSld>
+  <p:clrMapOvr>
+    <a:masterClrMapping/>
+  </p:clrMapOvr>
+</p:sld>
+</file>
+
+<file path=ppt/slides/slide3.xml><?xml version="1.0" encoding="utf-8"?>
+<p:sld xmlns:a="http://schemas.openxmlformats.org/drawingml/2006/main" xmlns:r="http://schemas.openxmlformats.org/officeDocument/2006/relationships" xmlns:p="http://schemas.openxmlformats.org/presentationml/2006/main">
+  <p:cSld>
+    <p:spTree>
+      <p:nvGrpSpPr>
+        <p:cNvPr id="1" name=""/>
+        <p:cNvGrpSpPr/>
+        <p:nvPr/>
+      </p:nvGrpSpPr>
+      <p:grpSpPr>
+        <a:xfrm>
+          <a:off x="0" y="0"/>
+          <a:ext cx="0" cy="0"/>
+          <a:chOff x="0" y="0"/>
+          <a:chExt cx="0" cy="0"/>
+        </a:xfrm>
+      </p:grpSpPr>
+      <p:sp>
+        <p:nvSpPr>
+          <p:cNvPr id="2" name="Title 1"/>
+          <p:cNvSpPr>
+            <a:spLocks noGrp="1"/>
+          </p:cNvSpPr>
+          <p:nvPr>
             <p:ph type="ctrTitle"/>
           </p:nvPr>
         </p:nvSpPr>
